--- a/AWS/AWS_API&Event_Driven_Architecture.pptx
+++ b/AWS/AWS_API&Event_Driven_Architecture.pptx
@@ -5,7 +5,7 @@
     <p:sldMasterId id="2147483648" r:id="rId1"/>
   </p:sldMasterIdLst>
   <p:notesMasterIdLst>
-    <p:notesMasterId r:id="rId21"/>
+    <p:notesMasterId r:id="rId19"/>
   </p:notesMasterIdLst>
   <p:sldIdLst>
     <p:sldId id="257" r:id="rId2"/>
@@ -19,14 +19,12 @@
     <p:sldId id="313" r:id="rId10"/>
     <p:sldId id="324" r:id="rId11"/>
     <p:sldId id="325" r:id="rId12"/>
-    <p:sldId id="334" r:id="rId13"/>
-    <p:sldId id="315" r:id="rId14"/>
-    <p:sldId id="337" r:id="rId15"/>
-    <p:sldId id="317" r:id="rId16"/>
-    <p:sldId id="316" r:id="rId17"/>
-    <p:sldId id="328" r:id="rId18"/>
-    <p:sldId id="335" r:id="rId19"/>
-    <p:sldId id="336" r:id="rId20"/>
+    <p:sldId id="337" r:id="rId13"/>
+    <p:sldId id="317" r:id="rId14"/>
+    <p:sldId id="316" r:id="rId15"/>
+    <p:sldId id="328" r:id="rId16"/>
+    <p:sldId id="335" r:id="rId17"/>
+    <p:sldId id="336" r:id="rId18"/>
   </p:sldIdLst>
   <p:sldSz cx="12192000" cy="6858000"/>
   <p:notesSz cx="6858000" cy="9144000"/>
@@ -215,7 +213,7 @@
           <a:p>
             <a:fld id="{34C307C2-D910-4122-9388-FE9DC4B9E077}" type="datetimeFigureOut">
               <a:rPr lang="en-IN" smtClean="0"/>
-              <a:t>06-12-2025</a:t>
+              <a:t>01-02-2026</a:t>
             </a:fld>
             <a:endParaRPr lang="en-IN"/>
           </a:p>
@@ -1012,7 +1010,7 @@
           <a:p>
             <a:fld id="{80B77DFC-8711-4557-8CA1-4C836922276B}" type="datetimeFigureOut">
               <a:rPr lang="en-IN" smtClean="0"/>
-              <a:t>06-12-2025</a:t>
+              <a:t>01-02-2026</a:t>
             </a:fld>
             <a:endParaRPr lang="en-IN"/>
           </a:p>
@@ -1212,7 +1210,7 @@
           <a:p>
             <a:fld id="{80B77DFC-8711-4557-8CA1-4C836922276B}" type="datetimeFigureOut">
               <a:rPr lang="en-IN" smtClean="0"/>
-              <a:t>06-12-2025</a:t>
+              <a:t>01-02-2026</a:t>
             </a:fld>
             <a:endParaRPr lang="en-IN"/>
           </a:p>
@@ -1422,7 +1420,7 @@
           <a:p>
             <a:fld id="{80B77DFC-8711-4557-8CA1-4C836922276B}" type="datetimeFigureOut">
               <a:rPr lang="en-IN" smtClean="0"/>
-              <a:t>06-12-2025</a:t>
+              <a:t>01-02-2026</a:t>
             </a:fld>
             <a:endParaRPr lang="en-IN"/>
           </a:p>
@@ -1622,7 +1620,7 @@
           <a:p>
             <a:fld id="{80B77DFC-8711-4557-8CA1-4C836922276B}" type="datetimeFigureOut">
               <a:rPr lang="en-IN" smtClean="0"/>
-              <a:t>06-12-2025</a:t>
+              <a:t>01-02-2026</a:t>
             </a:fld>
             <a:endParaRPr lang="en-IN"/>
           </a:p>
@@ -1898,7 +1896,7 @@
           <a:p>
             <a:fld id="{80B77DFC-8711-4557-8CA1-4C836922276B}" type="datetimeFigureOut">
               <a:rPr lang="en-IN" smtClean="0"/>
-              <a:t>06-12-2025</a:t>
+              <a:t>01-02-2026</a:t>
             </a:fld>
             <a:endParaRPr lang="en-IN"/>
           </a:p>
@@ -2166,7 +2164,7 @@
           <a:p>
             <a:fld id="{80B77DFC-8711-4557-8CA1-4C836922276B}" type="datetimeFigureOut">
               <a:rPr lang="en-IN" smtClean="0"/>
-              <a:t>06-12-2025</a:t>
+              <a:t>01-02-2026</a:t>
             </a:fld>
             <a:endParaRPr lang="en-IN"/>
           </a:p>
@@ -2581,7 +2579,7 @@
           <a:p>
             <a:fld id="{80B77DFC-8711-4557-8CA1-4C836922276B}" type="datetimeFigureOut">
               <a:rPr lang="en-IN" smtClean="0"/>
-              <a:t>06-12-2025</a:t>
+              <a:t>01-02-2026</a:t>
             </a:fld>
             <a:endParaRPr lang="en-IN"/>
           </a:p>
@@ -2723,7 +2721,7 @@
           <a:p>
             <a:fld id="{80B77DFC-8711-4557-8CA1-4C836922276B}" type="datetimeFigureOut">
               <a:rPr lang="en-IN" smtClean="0"/>
-              <a:t>06-12-2025</a:t>
+              <a:t>01-02-2026</a:t>
             </a:fld>
             <a:endParaRPr lang="en-IN"/>
           </a:p>
@@ -2836,7 +2834,7 @@
           <a:p>
             <a:fld id="{80B77DFC-8711-4557-8CA1-4C836922276B}" type="datetimeFigureOut">
               <a:rPr lang="en-IN" smtClean="0"/>
-              <a:t>06-12-2025</a:t>
+              <a:t>01-02-2026</a:t>
             </a:fld>
             <a:endParaRPr lang="en-IN"/>
           </a:p>
@@ -3149,7 +3147,7 @@
           <a:p>
             <a:fld id="{80B77DFC-8711-4557-8CA1-4C836922276B}" type="datetimeFigureOut">
               <a:rPr lang="en-IN" smtClean="0"/>
-              <a:t>06-12-2025</a:t>
+              <a:t>01-02-2026</a:t>
             </a:fld>
             <a:endParaRPr lang="en-IN"/>
           </a:p>
@@ -3438,7 +3436,7 @@
           <a:p>
             <a:fld id="{80B77DFC-8711-4557-8CA1-4C836922276B}" type="datetimeFigureOut">
               <a:rPr lang="en-IN" smtClean="0"/>
-              <a:t>06-12-2025</a:t>
+              <a:t>01-02-2026</a:t>
             </a:fld>
             <a:endParaRPr lang="en-IN"/>
           </a:p>
@@ -3681,7 +3679,7 @@
           <a:p>
             <a:fld id="{80B77DFC-8711-4557-8CA1-4C836922276B}" type="datetimeFigureOut">
               <a:rPr lang="en-IN" smtClean="0"/>
-              <a:t>06-12-2025</a:t>
+              <a:t>01-02-2026</a:t>
             </a:fld>
             <a:endParaRPr lang="en-IN"/>
           </a:p>
@@ -6215,1290 +6213,6 @@
 </file>
 
 <file path=ppt/slides/slide12.xml><?xml version="1.0" encoding="utf-8"?>
-<p:sld xmlns:a="http://schemas.openxmlformats.org/drawingml/2006/main" xmlns:r="http://schemas.openxmlformats.org/officeDocument/2006/relationships" xmlns:p="http://schemas.openxmlformats.org/presentationml/2006/main">
-  <p:cSld>
-    <p:spTree>
-      <p:nvGrpSpPr>
-        <p:cNvPr id="1" name="">
-          <a:extLst>
-            <a:ext uri="{FF2B5EF4-FFF2-40B4-BE49-F238E27FC236}">
-              <a16:creationId xmlns:a16="http://schemas.microsoft.com/office/drawing/2014/main" id="{224A570A-0AAD-54DB-66B2-BE77D3FA7BFC}"/>
-            </a:ext>
-          </a:extLst>
-        </p:cNvPr>
-        <p:cNvGrpSpPr/>
-        <p:nvPr/>
-      </p:nvGrpSpPr>
-      <p:grpSpPr>
-        <a:xfrm>
-          <a:off x="0" y="0"/>
-          <a:ext cx="0" cy="0"/>
-          <a:chOff x="0" y="0"/>
-          <a:chExt cx="0" cy="0"/>
-        </a:xfrm>
-      </p:grpSpPr>
-      <p:sp>
-        <p:nvSpPr>
-          <p:cNvPr id="2" name="TextBox 1">
-            <a:extLst>
-              <a:ext uri="{FF2B5EF4-FFF2-40B4-BE49-F238E27FC236}">
-                <a16:creationId xmlns:a16="http://schemas.microsoft.com/office/drawing/2014/main" id="{15F7AC7E-D7C7-4FBA-D4A5-CC31B194B8DE}"/>
-              </a:ext>
-            </a:extLst>
-          </p:cNvPr>
-          <p:cNvSpPr txBox="1"/>
-          <p:nvPr/>
-        </p:nvSpPr>
-        <p:spPr>
-          <a:xfrm>
-            <a:off x="457201" y="274321"/>
-            <a:ext cx="9786256" cy="646331"/>
-          </a:xfrm>
-          <a:prstGeom prst="rect">
-            <a:avLst/>
-          </a:prstGeom>
-          <a:noFill/>
-        </p:spPr>
-        <p:txBody>
-          <a:bodyPr wrap="square">
-            <a:spAutoFit/>
-          </a:bodyPr>
-          <a:lstStyle/>
-          <a:p>
-            <a:pPr>
-              <a:defRPr sz="3600" b="1">
-                <a:solidFill>
-                  <a:srgbClr val="232F3E"/>
-                </a:solidFill>
-              </a:defRPr>
-            </a:pPr>
-            <a:r>
-              <a:rPr lang="en-IN" sz="3600" b="1" dirty="0"/>
-              <a:t>Cont..</a:t>
-            </a:r>
-            <a:endParaRPr sz="3600" dirty="0"/>
-          </a:p>
-        </p:txBody>
-      </p:sp>
-      <p:sp>
-        <p:nvSpPr>
-          <p:cNvPr id="4" name="TextBox 3">
-            <a:extLst>
-              <a:ext uri="{FF2B5EF4-FFF2-40B4-BE49-F238E27FC236}">
-                <a16:creationId xmlns:a16="http://schemas.microsoft.com/office/drawing/2014/main" id="{66E2C916-CF1C-FBD7-4811-5B4A68839EAE}"/>
-              </a:ext>
-            </a:extLst>
-          </p:cNvPr>
-          <p:cNvSpPr txBox="1"/>
-          <p:nvPr/>
-        </p:nvSpPr>
-        <p:spPr>
-          <a:xfrm>
-            <a:off x="555171" y="1305342"/>
-            <a:ext cx="5203372" cy="3262432"/>
-          </a:xfrm>
-          <a:prstGeom prst="rect">
-            <a:avLst/>
-          </a:prstGeom>
-          <a:noFill/>
-        </p:spPr>
-        <p:txBody>
-          <a:bodyPr wrap="square">
-            <a:spAutoFit/>
-          </a:bodyPr>
-          <a:lstStyle/>
-          <a:p>
-            <a:pPr>
-              <a:spcBef>
-                <a:spcPts val="600"/>
-              </a:spcBef>
-            </a:pPr>
-            <a:r>
-              <a:rPr lang="en-IN" sz="1600" b="1" dirty="0"/>
-              <a:t>3) </a:t>
-            </a:r>
-            <a:r>
-              <a:rPr lang="en-US" sz="1600" b="1" dirty="0"/>
-              <a:t>Pub/Sub Pattern with SNS (Notification Pattern)</a:t>
-            </a:r>
-            <a:endParaRPr lang="en-IN" sz="1600" b="1" dirty="0"/>
-          </a:p>
-          <a:p>
-            <a:pPr>
-              <a:spcBef>
-                <a:spcPts val="600"/>
-              </a:spcBef>
-            </a:pPr>
-            <a:endParaRPr lang="en-IN" sz="1600" b="1" dirty="0"/>
-          </a:p>
-          <a:p>
-            <a:pPr>
-              <a:spcBef>
-                <a:spcPts val="600"/>
-              </a:spcBef>
-            </a:pPr>
-            <a:r>
-              <a:rPr lang="en-IN" sz="1600" b="1" dirty="0"/>
-              <a:t>Flow:</a:t>
-            </a:r>
-            <a:br>
-              <a:rPr lang="en-IN" sz="1600" dirty="0"/>
-            </a:br>
-            <a:r>
-              <a:rPr lang="en-IN" sz="1600" dirty="0"/>
-              <a:t>Producer (Lambda Order Service) -&gt; publishes "</a:t>
-            </a:r>
-            <a:r>
-              <a:rPr lang="en-IN" sz="1600" dirty="0" err="1"/>
-              <a:t>OrderPlaced</a:t>
-            </a:r>
-            <a:r>
-              <a:rPr lang="en-IN" sz="1600" dirty="0"/>
-              <a:t>“ event to SNS Topic -&gt; All subscribers (Inventory Service Lambda, Email Service Lambda, Analytics Service Lambda) receives the event</a:t>
-            </a:r>
-            <a:endParaRPr lang="en-IN" sz="1600" b="1" dirty="0"/>
-          </a:p>
-          <a:p>
-            <a:pPr>
-              <a:spcBef>
-                <a:spcPts val="600"/>
-              </a:spcBef>
-            </a:pPr>
-            <a:r>
-              <a:rPr lang="en-IN" sz="1600" b="1" dirty="0"/>
-              <a:t>Characteristics</a:t>
-            </a:r>
-            <a:endParaRPr lang="en-IN" sz="1600" dirty="0"/>
-          </a:p>
-          <a:p>
-            <a:pPr marL="285750" indent="-285750">
-              <a:spcBef>
-                <a:spcPts val="600"/>
-              </a:spcBef>
-              <a:buFont typeface="Arial" panose="020B0604020202020204" pitchFamily="34" charset="0"/>
-              <a:buChar char="•"/>
-            </a:pPr>
-            <a:r>
-              <a:rPr lang="en-US" sz="1600" dirty="0"/>
-              <a:t>Broadcast that something happened</a:t>
-            </a:r>
-          </a:p>
-          <a:p>
-            <a:pPr marL="285750" indent="-285750">
-              <a:spcBef>
-                <a:spcPts val="600"/>
-              </a:spcBef>
-              <a:buFont typeface="Arial" panose="020B0604020202020204" pitchFamily="34" charset="0"/>
-              <a:buChar char="•"/>
-            </a:pPr>
-            <a:r>
-              <a:rPr lang="en-US" sz="1600" dirty="0"/>
-              <a:t>Services need the same message but with different logic</a:t>
-            </a:r>
-          </a:p>
-          <a:p>
-            <a:pPr marL="285750" indent="-285750">
-              <a:spcBef>
-                <a:spcPts val="600"/>
-              </a:spcBef>
-              <a:buFont typeface="Arial" panose="020B0604020202020204" pitchFamily="34" charset="0"/>
-              <a:buChar char="•"/>
-            </a:pPr>
-            <a:r>
-              <a:rPr lang="en-US" sz="1600" dirty="0"/>
-              <a:t>Real-time processing is acceptable</a:t>
-            </a:r>
-            <a:endParaRPr lang="en-IN" sz="1600" dirty="0"/>
-          </a:p>
-        </p:txBody>
-      </p:sp>
-    </p:spTree>
-    <p:extLst>
-      <p:ext uri="{BB962C8B-B14F-4D97-AF65-F5344CB8AC3E}">
-        <p14:creationId xmlns:p14="http://schemas.microsoft.com/office/powerpoint/2010/main" val="1559671036"/>
-      </p:ext>
-    </p:extLst>
-  </p:cSld>
-  <p:clrMapOvr>
-    <a:masterClrMapping/>
-  </p:clrMapOvr>
-</p:sld>
-</file>
-
-<file path=ppt/slides/slide13.xml><?xml version="1.0" encoding="utf-8"?>
-<p:sld xmlns:a="http://schemas.openxmlformats.org/drawingml/2006/main" xmlns:r="http://schemas.openxmlformats.org/officeDocument/2006/relationships" xmlns:p="http://schemas.openxmlformats.org/presentationml/2006/main">
-  <p:cSld>
-    <p:spTree>
-      <p:nvGrpSpPr>
-        <p:cNvPr id="1" name="">
-          <a:extLst>
-            <a:ext uri="{FF2B5EF4-FFF2-40B4-BE49-F238E27FC236}">
-              <a16:creationId xmlns:a16="http://schemas.microsoft.com/office/drawing/2014/main" id="{B01E36D6-65DE-7793-3270-BE0CE3D6FA95}"/>
-            </a:ext>
-          </a:extLst>
-        </p:cNvPr>
-        <p:cNvGrpSpPr/>
-        <p:nvPr/>
-      </p:nvGrpSpPr>
-      <p:grpSpPr>
-        <a:xfrm>
-          <a:off x="0" y="0"/>
-          <a:ext cx="0" cy="0"/>
-          <a:chOff x="0" y="0"/>
-          <a:chExt cx="0" cy="0"/>
-        </a:xfrm>
-      </p:grpSpPr>
-      <p:sp>
-        <p:nvSpPr>
-          <p:cNvPr id="2" name="TextBox 1">
-            <a:extLst>
-              <a:ext uri="{FF2B5EF4-FFF2-40B4-BE49-F238E27FC236}">
-                <a16:creationId xmlns:a16="http://schemas.microsoft.com/office/drawing/2014/main" id="{9CC38FF3-8066-6023-FA36-B021542126E2}"/>
-              </a:ext>
-            </a:extLst>
-          </p:cNvPr>
-          <p:cNvSpPr txBox="1"/>
-          <p:nvPr/>
-        </p:nvSpPr>
-        <p:spPr>
-          <a:xfrm>
-            <a:off x="859971" y="274321"/>
-            <a:ext cx="10450286" cy="646331"/>
-          </a:xfrm>
-          <a:prstGeom prst="rect">
-            <a:avLst/>
-          </a:prstGeom>
-          <a:noFill/>
-        </p:spPr>
-        <p:txBody>
-          <a:bodyPr wrap="square">
-            <a:spAutoFit/>
-          </a:bodyPr>
-          <a:lstStyle/>
-          <a:p>
-            <a:pPr>
-              <a:defRPr sz="3600" b="1">
-                <a:solidFill>
-                  <a:srgbClr val="232F3E"/>
-                </a:solidFill>
-              </a:defRPr>
-            </a:pPr>
-            <a:r>
-              <a:rPr lang="en-US" sz="3600" dirty="0"/>
-              <a:t>Knowledge Check - When to Use Each Pattern</a:t>
-            </a:r>
-            <a:endParaRPr sz="3600" dirty="0"/>
-          </a:p>
-        </p:txBody>
-      </p:sp>
-      <p:graphicFrame>
-        <p:nvGraphicFramePr>
-          <p:cNvPr id="3" name="Table 2">
-            <a:extLst>
-              <a:ext uri="{FF2B5EF4-FFF2-40B4-BE49-F238E27FC236}">
-                <a16:creationId xmlns:a16="http://schemas.microsoft.com/office/drawing/2014/main" id="{0ADBC45F-3F8A-C924-39C1-D71CA7FC7A23}"/>
-              </a:ext>
-            </a:extLst>
-          </p:cNvPr>
-          <p:cNvGraphicFramePr>
-            <a:graphicFrameLocks noGrp="1"/>
-          </p:cNvGraphicFramePr>
-          <p:nvPr>
-            <p:extLst>
-              <p:ext uri="{D42A27DB-BD31-4B8C-83A1-F6EECF244321}">
-                <p14:modId xmlns:p14="http://schemas.microsoft.com/office/powerpoint/2010/main" val="3570934330"/>
-              </p:ext>
-            </p:extLst>
-          </p:nvPr>
-        </p:nvGraphicFramePr>
-        <p:xfrm>
-          <a:off x="1139371" y="1557865"/>
-          <a:ext cx="10450283" cy="4471152"/>
-        </p:xfrm>
-        <a:graphic>
-          <a:graphicData uri="http://schemas.openxmlformats.org/drawingml/2006/table">
-            <a:tbl>
-              <a:tblPr firstRow="1" bandRow="1">
-                <a:tableStyleId>{69012ECD-51FC-41F1-AA8D-1B2483CD663E}</a:tableStyleId>
-              </a:tblPr>
-              <a:tblGrid>
-                <a:gridCol w="2338575">
-                  <a:extLst>
-                    <a:ext uri="{9D8B030D-6E8A-4147-A177-3AD203B41FA5}">
-                      <a16:colId xmlns:a16="http://schemas.microsoft.com/office/drawing/2014/main" val="1733487124"/>
-                    </a:ext>
-                  </a:extLst>
-                </a:gridCol>
-                <a:gridCol w="2341174">
-                  <a:extLst>
-                    <a:ext uri="{9D8B030D-6E8A-4147-A177-3AD203B41FA5}">
-                      <a16:colId xmlns:a16="http://schemas.microsoft.com/office/drawing/2014/main" val="3553954310"/>
-                    </a:ext>
-                  </a:extLst>
-                </a:gridCol>
-                <a:gridCol w="2885267">
-                  <a:extLst>
-                    <a:ext uri="{9D8B030D-6E8A-4147-A177-3AD203B41FA5}">
-                      <a16:colId xmlns:a16="http://schemas.microsoft.com/office/drawing/2014/main" val="2143963288"/>
-                    </a:ext>
-                  </a:extLst>
-                </a:gridCol>
-                <a:gridCol w="2885267">
-                  <a:extLst>
-                    <a:ext uri="{9D8B030D-6E8A-4147-A177-3AD203B41FA5}">
-                      <a16:colId xmlns:a16="http://schemas.microsoft.com/office/drawing/2014/main" val="3204419562"/>
-                    </a:ext>
-                  </a:extLst>
-                </a:gridCol>
-              </a:tblGrid>
-              <a:tr h="455856">
-                <a:tc>
-                  <a:txBody>
-                    <a:bodyPr/>
-                    <a:lstStyle/>
-                    <a:p>
-                      <a:pPr marL="0" marR="0" lvl="0" indent="0" algn="l" defTabSz="914400" rtl="0" eaLnBrk="1" fontAlgn="auto" latinLnBrk="0" hangingPunct="1">
-                        <a:lnSpc>
-                          <a:spcPct val="100000"/>
-                        </a:lnSpc>
-                        <a:spcBef>
-                          <a:spcPts val="0"/>
-                        </a:spcBef>
-                        <a:spcAft>
-                          <a:spcPts val="0"/>
-                        </a:spcAft>
-                        <a:buClrTx/>
-                        <a:buSzTx/>
-                        <a:buFontTx/>
-                        <a:buNone/>
-                        <a:tabLst/>
-                        <a:defRPr/>
-                      </a:pPr>
-                      <a:r>
-                        <a:rPr lang="en-IN" sz="1800" b="0" kern="1200" dirty="0">
-                          <a:solidFill>
-                            <a:schemeClr val="lt1"/>
-                          </a:solidFill>
-                          <a:effectLst/>
-                        </a:rPr>
-                        <a:t>Requirement</a:t>
-                      </a:r>
-                      <a:endParaRPr lang="en-IN" sz="1800" b="0" kern="1200" dirty="0">
-                        <a:solidFill>
-                          <a:schemeClr val="lt1"/>
-                        </a:solidFill>
-                        <a:effectLst/>
-                        <a:latin typeface="+mn-lt"/>
-                        <a:ea typeface="+mn-ea"/>
-                        <a:cs typeface="+mn-cs"/>
-                      </a:endParaRPr>
-                    </a:p>
-                  </a:txBody>
-                  <a:tcPr/>
-                </a:tc>
-                <a:tc>
-                  <a:txBody>
-                    <a:bodyPr/>
-                    <a:lstStyle/>
-                    <a:p>
-                      <a:pPr marL="0" marR="0" lvl="0" indent="0" algn="l" defTabSz="914400" rtl="0" eaLnBrk="1" fontAlgn="auto" latinLnBrk="0" hangingPunct="1">
-                        <a:lnSpc>
-                          <a:spcPct val="100000"/>
-                        </a:lnSpc>
-                        <a:spcBef>
-                          <a:spcPts val="0"/>
-                        </a:spcBef>
-                        <a:spcAft>
-                          <a:spcPts val="0"/>
-                        </a:spcAft>
-                        <a:buClrTx/>
-                        <a:buSzTx/>
-                        <a:buFontTx/>
-                        <a:buNone/>
-                        <a:tabLst/>
-                        <a:defRPr/>
-                      </a:pPr>
-                      <a:r>
-                        <a:rPr lang="en-IN" sz="1800" b="0" kern="1200" dirty="0">
-                          <a:solidFill>
-                            <a:schemeClr val="lt1"/>
-                          </a:solidFill>
-                          <a:effectLst/>
-                        </a:rPr>
-                        <a:t>API (Sync)</a:t>
-                      </a:r>
-                      <a:endParaRPr lang="en-IN" dirty="0"/>
-                    </a:p>
-                  </a:txBody>
-                  <a:tcPr/>
-                </a:tc>
-                <a:tc>
-                  <a:txBody>
-                    <a:bodyPr/>
-                    <a:lstStyle/>
-                    <a:p>
-                      <a:pPr marL="0" marR="0" lvl="0" indent="0" algn="l" defTabSz="914400" rtl="0" eaLnBrk="1" fontAlgn="auto" latinLnBrk="0" hangingPunct="1">
-                        <a:lnSpc>
-                          <a:spcPct val="100000"/>
-                        </a:lnSpc>
-                        <a:spcBef>
-                          <a:spcPts val="0"/>
-                        </a:spcBef>
-                        <a:spcAft>
-                          <a:spcPts val="0"/>
-                        </a:spcAft>
-                        <a:buClrTx/>
-                        <a:buSzTx/>
-                        <a:buFontTx/>
-                        <a:buNone/>
-                        <a:tabLst/>
-                        <a:defRPr/>
-                      </a:pPr>
-                      <a:r>
-                        <a:rPr lang="en-IN" sz="1800" b="0" kern="1200" dirty="0">
-                          <a:solidFill>
-                            <a:schemeClr val="lt1"/>
-                          </a:solidFill>
-                          <a:effectLst/>
-                        </a:rPr>
-                        <a:t>Event-Driven (Async)</a:t>
-                      </a:r>
-                      <a:endParaRPr lang="en-IN" sz="1800" b="0" kern="1200" dirty="0">
-                        <a:solidFill>
-                          <a:schemeClr val="lt1"/>
-                        </a:solidFill>
-                        <a:effectLst/>
-                        <a:latin typeface="+mn-lt"/>
-                        <a:ea typeface="+mn-ea"/>
-                        <a:cs typeface="+mn-cs"/>
-                      </a:endParaRPr>
-                    </a:p>
-                  </a:txBody>
-                  <a:tcPr/>
-                </a:tc>
-                <a:tc>
-                  <a:txBody>
-                    <a:bodyPr/>
-                    <a:lstStyle/>
-                    <a:p>
-                      <a:pPr marL="0" marR="0" lvl="0" indent="0" algn="l" defTabSz="914400" rtl="0" eaLnBrk="1" fontAlgn="auto" latinLnBrk="0" hangingPunct="1">
-                        <a:lnSpc>
-                          <a:spcPct val="100000"/>
-                        </a:lnSpc>
-                        <a:spcBef>
-                          <a:spcPts val="0"/>
-                        </a:spcBef>
-                        <a:spcAft>
-                          <a:spcPts val="0"/>
-                        </a:spcAft>
-                        <a:buClrTx/>
-                        <a:buSzTx/>
-                        <a:buFontTx/>
-                        <a:buNone/>
-                        <a:tabLst/>
-                        <a:defRPr/>
-                      </a:pPr>
-                      <a:r>
-                        <a:rPr lang="en-IN" sz="1800" b="0" kern="1200" dirty="0">
-                          <a:solidFill>
-                            <a:schemeClr val="lt1"/>
-                          </a:solidFill>
-                          <a:effectLst/>
-                          <a:latin typeface="+mn-lt"/>
-                          <a:ea typeface="+mn-ea"/>
-                          <a:cs typeface="+mn-cs"/>
-                        </a:rPr>
-                        <a:t>Hybrid</a:t>
-                      </a:r>
-                    </a:p>
-                  </a:txBody>
-                  <a:tcPr/>
-                </a:tc>
-                <a:extLst>
-                  <a:ext uri="{0D108BD9-81ED-4DB2-BD59-A6C34878D82A}">
-                    <a16:rowId xmlns:a16="http://schemas.microsoft.com/office/drawing/2014/main" val="3097607419"/>
-                  </a:ext>
-                </a:extLst>
-              </a:tr>
-              <a:tr h="455856">
-                <a:tc>
-                  <a:txBody>
-                    <a:bodyPr/>
-                    <a:lstStyle/>
-                    <a:p>
-                      <a:pPr marL="0" marR="0" lvl="0" indent="0" algn="l" defTabSz="914400" rtl="0" eaLnBrk="1" fontAlgn="auto" latinLnBrk="0" hangingPunct="1">
-                        <a:lnSpc>
-                          <a:spcPct val="100000"/>
-                        </a:lnSpc>
-                        <a:spcBef>
-                          <a:spcPts val="0"/>
-                        </a:spcBef>
-                        <a:spcAft>
-                          <a:spcPts val="0"/>
-                        </a:spcAft>
-                        <a:buClrTx/>
-                        <a:buSzTx/>
-                        <a:buFontTx/>
-                        <a:buNone/>
-                        <a:tabLst/>
-                        <a:defRPr/>
-                      </a:pPr>
-                      <a:r>
-                        <a:rPr lang="en-IN" sz="1800" b="0" kern="1200" dirty="0">
-                          <a:solidFill>
-                            <a:schemeClr val="dk1"/>
-                          </a:solidFill>
-                          <a:effectLst/>
-                        </a:rPr>
-                        <a:t>Need immediate response</a:t>
-                      </a:r>
-                      <a:endParaRPr lang="en-IN" sz="1800" b="0" kern="1200" dirty="0">
-                        <a:solidFill>
-                          <a:schemeClr val="dk1"/>
-                        </a:solidFill>
-                        <a:effectLst/>
-                        <a:latin typeface="+mn-lt"/>
-                        <a:ea typeface="+mn-ea"/>
-                        <a:cs typeface="+mn-cs"/>
-                      </a:endParaRPr>
-                    </a:p>
-                  </a:txBody>
-                  <a:tcPr/>
-                </a:tc>
-                <a:tc>
-                  <a:txBody>
-                    <a:bodyPr/>
-                    <a:lstStyle/>
-                    <a:p>
-                      <a:r>
-                        <a:rPr lang="en-IN" dirty="0"/>
-                        <a:t>Yes</a:t>
-                      </a:r>
-                    </a:p>
-                  </a:txBody>
-                  <a:tcPr/>
-                </a:tc>
-                <a:tc>
-                  <a:txBody>
-                    <a:bodyPr/>
-                    <a:lstStyle/>
-                    <a:p>
-                      <a:r>
-                        <a:rPr lang="en-IN" dirty="0"/>
-                        <a:t>No</a:t>
-                      </a:r>
-                    </a:p>
-                  </a:txBody>
-                  <a:tcPr/>
-                </a:tc>
-                <a:tc>
-                  <a:txBody>
-                    <a:bodyPr/>
-                    <a:lstStyle/>
-                    <a:p>
-                      <a:r>
-                        <a:rPr lang="en-IN" dirty="0"/>
-                        <a:t>-</a:t>
-                      </a:r>
-                    </a:p>
-                  </a:txBody>
-                  <a:tcPr/>
-                </a:tc>
-                <a:extLst>
-                  <a:ext uri="{0D108BD9-81ED-4DB2-BD59-A6C34878D82A}">
-                    <a16:rowId xmlns:a16="http://schemas.microsoft.com/office/drawing/2014/main" val="2519865411"/>
-                  </a:ext>
-                </a:extLst>
-              </a:tr>
-              <a:tr h="455856">
-                <a:tc>
-                  <a:txBody>
-                    <a:bodyPr/>
-                    <a:lstStyle/>
-                    <a:p>
-                      <a:pPr marL="0" marR="0" lvl="0" indent="0" algn="l" defTabSz="914400" rtl="0" eaLnBrk="1" fontAlgn="auto" latinLnBrk="0" hangingPunct="1">
-                        <a:lnSpc>
-                          <a:spcPct val="100000"/>
-                        </a:lnSpc>
-                        <a:spcBef>
-                          <a:spcPts val="0"/>
-                        </a:spcBef>
-                        <a:spcAft>
-                          <a:spcPts val="0"/>
-                        </a:spcAft>
-                        <a:buClrTx/>
-                        <a:buSzTx/>
-                        <a:buFontTx/>
-                        <a:buNone/>
-                        <a:tabLst/>
-                        <a:defRPr/>
-                      </a:pPr>
-                      <a:r>
-                        <a:rPr lang="en-IN" sz="1800" b="0" kern="1200" dirty="0">
-                          <a:solidFill>
-                            <a:schemeClr val="dk1"/>
-                          </a:solidFill>
-                          <a:effectLst/>
-                        </a:rPr>
-                        <a:t>Long-running process</a:t>
-                      </a:r>
-                    </a:p>
-                    <a:p>
-                      <a:pPr marL="0" marR="0" lvl="0" indent="0" algn="l" defTabSz="914400" rtl="0" eaLnBrk="1" fontAlgn="auto" latinLnBrk="0" hangingPunct="1">
-                        <a:lnSpc>
-                          <a:spcPct val="100000"/>
-                        </a:lnSpc>
-                        <a:spcBef>
-                          <a:spcPts val="0"/>
-                        </a:spcBef>
-                        <a:spcAft>
-                          <a:spcPts val="0"/>
-                        </a:spcAft>
-                        <a:buClrTx/>
-                        <a:buSzTx/>
-                        <a:buFontTx/>
-                        <a:buNone/>
-                        <a:tabLst/>
-                        <a:defRPr/>
-                      </a:pPr>
-                      <a:r>
-                        <a:rPr lang="en-IN" b="0" dirty="0"/>
-                        <a:t>(&gt;30s)</a:t>
-                      </a:r>
-                      <a:endParaRPr lang="en-IN" sz="1800" b="0" kern="1200" dirty="0">
-                        <a:solidFill>
-                          <a:schemeClr val="dk1"/>
-                        </a:solidFill>
-                        <a:effectLst/>
-                        <a:latin typeface="+mn-lt"/>
-                        <a:ea typeface="+mn-ea"/>
-                        <a:cs typeface="+mn-cs"/>
-                      </a:endParaRPr>
-                    </a:p>
-                  </a:txBody>
-                  <a:tcPr/>
-                </a:tc>
-                <a:tc>
-                  <a:txBody>
-                    <a:bodyPr/>
-                    <a:lstStyle/>
-                    <a:p>
-                      <a:pPr>
-                        <a:buNone/>
-                      </a:pPr>
-                      <a:r>
-                        <a:rPr lang="en-IN" dirty="0"/>
-                        <a:t>No</a:t>
-                      </a:r>
-                    </a:p>
-                  </a:txBody>
-                  <a:tcPr anchor="ctr"/>
-                </a:tc>
-                <a:tc>
-                  <a:txBody>
-                    <a:bodyPr/>
-                    <a:lstStyle/>
-                    <a:p>
-                      <a:pPr>
-                        <a:buNone/>
-                      </a:pPr>
-                      <a:r>
-                        <a:rPr lang="en-IN" dirty="0"/>
-                        <a:t>Yes</a:t>
-                      </a:r>
-                    </a:p>
-                  </a:txBody>
-                  <a:tcPr anchor="ctr"/>
-                </a:tc>
-                <a:tc>
-                  <a:txBody>
-                    <a:bodyPr/>
-                    <a:lstStyle/>
-                    <a:p>
-                      <a:pPr>
-                        <a:buNone/>
-                      </a:pPr>
-                      <a:r>
-                        <a:rPr lang="en-IN" dirty="0"/>
-                        <a:t>Sync ack + async processing</a:t>
-                      </a:r>
-                    </a:p>
-                  </a:txBody>
-                  <a:tcPr anchor="ctr"/>
-                </a:tc>
-                <a:extLst>
-                  <a:ext uri="{0D108BD9-81ED-4DB2-BD59-A6C34878D82A}">
-                    <a16:rowId xmlns:a16="http://schemas.microsoft.com/office/drawing/2014/main" val="1623916823"/>
-                  </a:ext>
-                </a:extLst>
-              </a:tr>
-              <a:tr h="455856">
-                <a:tc>
-                  <a:txBody>
-                    <a:bodyPr/>
-                    <a:lstStyle/>
-                    <a:p>
-                      <a:pPr marL="0" marR="0" lvl="0" indent="0" algn="l" defTabSz="914400" rtl="0" eaLnBrk="1" fontAlgn="auto" latinLnBrk="0" hangingPunct="1">
-                        <a:lnSpc>
-                          <a:spcPct val="100000"/>
-                        </a:lnSpc>
-                        <a:spcBef>
-                          <a:spcPts val="0"/>
-                        </a:spcBef>
-                        <a:spcAft>
-                          <a:spcPts val="0"/>
-                        </a:spcAft>
-                        <a:buClrTx/>
-                        <a:buSzTx/>
-                        <a:buFontTx/>
-                        <a:buNone/>
-                        <a:tabLst/>
-                        <a:defRPr/>
-                      </a:pPr>
-                      <a:r>
-                        <a:rPr lang="en-IN" sz="1800" b="0" kern="1200" dirty="0">
-                          <a:solidFill>
-                            <a:schemeClr val="dk1"/>
-                          </a:solidFill>
-                          <a:effectLst/>
-                        </a:rPr>
-                        <a:t>Multiple consumers</a:t>
-                      </a:r>
-                      <a:endParaRPr lang="en-IN" sz="1800" b="0" kern="1200" dirty="0">
-                        <a:solidFill>
-                          <a:schemeClr val="dk1"/>
-                        </a:solidFill>
-                        <a:effectLst/>
-                        <a:latin typeface="+mn-lt"/>
-                        <a:ea typeface="+mn-ea"/>
-                        <a:cs typeface="+mn-cs"/>
-                      </a:endParaRPr>
-                    </a:p>
-                  </a:txBody>
-                  <a:tcPr/>
-                </a:tc>
-                <a:tc>
-                  <a:txBody>
-                    <a:bodyPr/>
-                    <a:lstStyle/>
-                    <a:p>
-                      <a:pPr>
-                        <a:buNone/>
-                      </a:pPr>
-                      <a:r>
-                        <a:rPr lang="en-IN" dirty="0"/>
-                        <a:t>Possible</a:t>
-                      </a:r>
-                    </a:p>
-                  </a:txBody>
-                  <a:tcPr anchor="ctr"/>
-                </a:tc>
-                <a:tc>
-                  <a:txBody>
-                    <a:bodyPr/>
-                    <a:lstStyle/>
-                    <a:p>
-                      <a:pPr>
-                        <a:buNone/>
-                      </a:pPr>
-                      <a:r>
-                        <a:rPr lang="en-IN" dirty="0"/>
-                        <a:t>Better</a:t>
-                      </a:r>
-                    </a:p>
-                  </a:txBody>
-                  <a:tcPr anchor="ctr"/>
-                </a:tc>
-                <a:tc>
-                  <a:txBody>
-                    <a:bodyPr/>
-                    <a:lstStyle/>
-                    <a:p>
-                      <a:pPr>
-                        <a:buNone/>
-                      </a:pPr>
-                      <a:r>
-                        <a:rPr lang="en-IN" dirty="0"/>
-                        <a:t>API + internal events</a:t>
-                      </a:r>
-                    </a:p>
-                  </a:txBody>
-                  <a:tcPr anchor="ctr"/>
-                </a:tc>
-                <a:extLst>
-                  <a:ext uri="{0D108BD9-81ED-4DB2-BD59-A6C34878D82A}">
-                    <a16:rowId xmlns:a16="http://schemas.microsoft.com/office/drawing/2014/main" val="1056469830"/>
-                  </a:ext>
-                </a:extLst>
-              </a:tr>
-              <a:tr h="455856">
-                <a:tc>
-                  <a:txBody>
-                    <a:bodyPr/>
-                    <a:lstStyle/>
-                    <a:p>
-                      <a:pPr marL="0" marR="0" lvl="0" indent="0" algn="l" defTabSz="914400" rtl="0" eaLnBrk="1" fontAlgn="auto" latinLnBrk="0" hangingPunct="1">
-                        <a:lnSpc>
-                          <a:spcPct val="100000"/>
-                        </a:lnSpc>
-                        <a:spcBef>
-                          <a:spcPts val="0"/>
-                        </a:spcBef>
-                        <a:spcAft>
-                          <a:spcPts val="0"/>
-                        </a:spcAft>
-                        <a:buClrTx/>
-                        <a:buSzTx/>
-                        <a:buFontTx/>
-                        <a:buNone/>
-                        <a:tabLst/>
-                        <a:defRPr/>
-                      </a:pPr>
-                      <a:r>
-                        <a:rPr lang="en-IN" sz="1800" b="0" kern="1200" dirty="0">
-                          <a:solidFill>
-                            <a:schemeClr val="dk1"/>
-                          </a:solidFill>
-                          <a:effectLst/>
-                        </a:rPr>
-                        <a:t>Simple CRUD </a:t>
-                      </a:r>
-                      <a:endParaRPr lang="en-IN" sz="1800" b="0" kern="1200" dirty="0">
-                        <a:solidFill>
-                          <a:schemeClr val="dk1"/>
-                        </a:solidFill>
-                        <a:effectLst/>
-                        <a:latin typeface="+mn-lt"/>
-                        <a:ea typeface="+mn-ea"/>
-                        <a:cs typeface="+mn-cs"/>
-                      </a:endParaRPr>
-                    </a:p>
-                  </a:txBody>
-                  <a:tcPr/>
-                </a:tc>
-                <a:tc>
-                  <a:txBody>
-                    <a:bodyPr/>
-                    <a:lstStyle/>
-                    <a:p>
-                      <a:r>
-                        <a:rPr lang="en-IN" dirty="0"/>
-                        <a:t>Yes</a:t>
-                      </a:r>
-                    </a:p>
-                  </a:txBody>
-                  <a:tcPr/>
-                </a:tc>
-                <a:tc>
-                  <a:txBody>
-                    <a:bodyPr/>
-                    <a:lstStyle/>
-                    <a:p>
-                      <a:r>
-                        <a:rPr lang="en-IN" dirty="0"/>
-                        <a:t>Overkill</a:t>
-                      </a:r>
-                    </a:p>
-                  </a:txBody>
-                  <a:tcPr/>
-                </a:tc>
-                <a:tc>
-                  <a:txBody>
-                    <a:bodyPr/>
-                    <a:lstStyle/>
-                    <a:p>
-                      <a:r>
-                        <a:rPr lang="en-IN" dirty="0"/>
-                        <a:t>-</a:t>
-                      </a:r>
-                    </a:p>
-                  </a:txBody>
-                  <a:tcPr/>
-                </a:tc>
-                <a:extLst>
-                  <a:ext uri="{0D108BD9-81ED-4DB2-BD59-A6C34878D82A}">
-                    <a16:rowId xmlns:a16="http://schemas.microsoft.com/office/drawing/2014/main" val="908829405"/>
-                  </a:ext>
-                </a:extLst>
-              </a:tr>
-              <a:tr h="455856">
-                <a:tc>
-                  <a:txBody>
-                    <a:bodyPr/>
-                    <a:lstStyle/>
-                    <a:p>
-                      <a:pPr marL="0" marR="0" lvl="0" indent="0" algn="l" defTabSz="914400" rtl="0" eaLnBrk="1" fontAlgn="auto" latinLnBrk="0" hangingPunct="1">
-                        <a:lnSpc>
-                          <a:spcPct val="100000"/>
-                        </a:lnSpc>
-                        <a:spcBef>
-                          <a:spcPts val="0"/>
-                        </a:spcBef>
-                        <a:spcAft>
-                          <a:spcPts val="0"/>
-                        </a:spcAft>
-                        <a:buClrTx/>
-                        <a:buSzTx/>
-                        <a:buFontTx/>
-                        <a:buNone/>
-                        <a:tabLst/>
-                        <a:defRPr/>
-                      </a:pPr>
-                      <a:r>
-                        <a:rPr lang="en-IN" sz="1800" b="0" kern="1200" dirty="0">
-                          <a:solidFill>
-                            <a:schemeClr val="dk1"/>
-                          </a:solidFill>
-                          <a:effectLst/>
-                        </a:rPr>
-                        <a:t>Loose coupling needed</a:t>
-                      </a:r>
-                      <a:endParaRPr lang="en-IN" sz="1800" b="0" kern="1200" dirty="0">
-                        <a:solidFill>
-                          <a:schemeClr val="dk1"/>
-                        </a:solidFill>
-                        <a:effectLst/>
-                        <a:latin typeface="+mn-lt"/>
-                        <a:ea typeface="+mn-ea"/>
-                        <a:cs typeface="+mn-cs"/>
-                      </a:endParaRPr>
-                    </a:p>
-                  </a:txBody>
-                  <a:tcPr/>
-                </a:tc>
-                <a:tc>
-                  <a:txBody>
-                    <a:bodyPr/>
-                    <a:lstStyle/>
-                    <a:p>
-                      <a:r>
-                        <a:rPr lang="en-IN" dirty="0"/>
-                        <a:t>Possible</a:t>
-                      </a:r>
-                    </a:p>
-                  </a:txBody>
-                  <a:tcPr/>
-                </a:tc>
-                <a:tc>
-                  <a:txBody>
-                    <a:bodyPr/>
-                    <a:lstStyle/>
-                    <a:p>
-                      <a:r>
-                        <a:rPr lang="en-IN" dirty="0"/>
-                        <a:t>Better</a:t>
-                      </a:r>
-                    </a:p>
-                  </a:txBody>
-                  <a:tcPr/>
-                </a:tc>
-                <a:tc>
-                  <a:txBody>
-                    <a:bodyPr/>
-                    <a:lstStyle/>
-                    <a:p>
-                      <a:r>
-                        <a:rPr lang="en-IN" dirty="0"/>
-                        <a:t>-</a:t>
-                      </a:r>
-                    </a:p>
-                  </a:txBody>
-                  <a:tcPr/>
-                </a:tc>
-                <a:extLst>
-                  <a:ext uri="{0D108BD9-81ED-4DB2-BD59-A6C34878D82A}">
-                    <a16:rowId xmlns:a16="http://schemas.microsoft.com/office/drawing/2014/main" val="1690346680"/>
-                  </a:ext>
-                </a:extLst>
-              </a:tr>
-              <a:tr h="455856">
-                <a:tc>
-                  <a:txBody>
-                    <a:bodyPr/>
-                    <a:lstStyle/>
-                    <a:p>
-                      <a:pPr marL="0" marR="0" lvl="0" indent="0" algn="l" defTabSz="914400" rtl="0" eaLnBrk="1" fontAlgn="auto" latinLnBrk="0" hangingPunct="1">
-                        <a:lnSpc>
-                          <a:spcPct val="100000"/>
-                        </a:lnSpc>
-                        <a:spcBef>
-                          <a:spcPts val="0"/>
-                        </a:spcBef>
-                        <a:spcAft>
-                          <a:spcPts val="0"/>
-                        </a:spcAft>
-                        <a:buClrTx/>
-                        <a:buSzTx/>
-                        <a:buFontTx/>
-                        <a:buNone/>
-                        <a:tabLst/>
-                        <a:defRPr/>
-                      </a:pPr>
-                      <a:r>
-                        <a:rPr lang="en-IN" sz="1800" b="0" kern="1200" dirty="0">
-                          <a:solidFill>
-                            <a:schemeClr val="dk1"/>
-                          </a:solidFill>
-                          <a:effectLst/>
-                        </a:rPr>
-                        <a:t>Real-time updates </a:t>
-                      </a:r>
-                      <a:endParaRPr lang="en-IN" sz="1800" b="0" kern="1200" dirty="0">
-                        <a:solidFill>
-                          <a:schemeClr val="dk1"/>
-                        </a:solidFill>
-                        <a:effectLst/>
-                        <a:latin typeface="+mn-lt"/>
-                        <a:ea typeface="+mn-ea"/>
-                        <a:cs typeface="+mn-cs"/>
-                      </a:endParaRPr>
-                    </a:p>
-                  </a:txBody>
-                  <a:tcPr/>
-                </a:tc>
-                <a:tc>
-                  <a:txBody>
-                    <a:bodyPr/>
-                    <a:lstStyle/>
-                    <a:p>
-                      <a:r>
-                        <a:rPr lang="en-IN" dirty="0"/>
-                        <a:t>Possible</a:t>
-                      </a:r>
-                    </a:p>
-                  </a:txBody>
-                  <a:tcPr/>
-                </a:tc>
-                <a:tc>
-                  <a:txBody>
-                    <a:bodyPr/>
-                    <a:lstStyle/>
-                    <a:p>
-                      <a:r>
-                        <a:rPr lang="en-IN" dirty="0"/>
-                        <a:t>Possible</a:t>
-                      </a:r>
-                    </a:p>
-                  </a:txBody>
-                  <a:tcPr/>
-                </a:tc>
-                <a:tc>
-                  <a:txBody>
-                    <a:bodyPr/>
-                    <a:lstStyle/>
-                    <a:p>
-                      <a:r>
-                        <a:rPr lang="en-IN" dirty="0"/>
-                        <a:t>WebSocket + Events</a:t>
-                      </a:r>
-                    </a:p>
-                  </a:txBody>
-                  <a:tcPr/>
-                </a:tc>
-                <a:extLst>
-                  <a:ext uri="{0D108BD9-81ED-4DB2-BD59-A6C34878D82A}">
-                    <a16:rowId xmlns:a16="http://schemas.microsoft.com/office/drawing/2014/main" val="631960947"/>
-                  </a:ext>
-                </a:extLst>
-              </a:tr>
-              <a:tr h="455856">
-                <a:tc>
-                  <a:txBody>
-                    <a:bodyPr/>
-                    <a:lstStyle/>
-                    <a:p>
-                      <a:pPr marL="0" marR="0" lvl="0" indent="0" algn="l" defTabSz="914400" rtl="0" eaLnBrk="1" fontAlgn="auto" latinLnBrk="0" hangingPunct="1">
-                        <a:lnSpc>
-                          <a:spcPct val="100000"/>
-                        </a:lnSpc>
-                        <a:spcBef>
-                          <a:spcPts val="0"/>
-                        </a:spcBef>
-                        <a:spcAft>
-                          <a:spcPts val="0"/>
-                        </a:spcAft>
-                        <a:buClrTx/>
-                        <a:buSzTx/>
-                        <a:buFontTx/>
-                        <a:buNone/>
-                        <a:tabLst/>
-                        <a:defRPr/>
-                      </a:pPr>
-                      <a:r>
-                        <a:rPr lang="en-IN" sz="1800" b="0" kern="1200" dirty="0">
-                          <a:solidFill>
-                            <a:schemeClr val="dk1"/>
-                          </a:solidFill>
-                          <a:effectLst/>
-                        </a:rPr>
-                        <a:t>Background processing</a:t>
-                      </a:r>
-                      <a:endParaRPr lang="en-IN" sz="1800" b="0" kern="1200" dirty="0">
-                        <a:solidFill>
-                          <a:schemeClr val="dk1"/>
-                        </a:solidFill>
-                        <a:effectLst/>
-                        <a:latin typeface="+mn-lt"/>
-                        <a:ea typeface="+mn-ea"/>
-                        <a:cs typeface="+mn-cs"/>
-                      </a:endParaRPr>
-                    </a:p>
-                  </a:txBody>
-                  <a:tcPr/>
-                </a:tc>
-                <a:tc>
-                  <a:txBody>
-                    <a:bodyPr/>
-                    <a:lstStyle/>
-                    <a:p>
-                      <a:r>
-                        <a:rPr lang="en-IN" dirty="0"/>
-                        <a:t>No</a:t>
-                      </a:r>
-                    </a:p>
-                  </a:txBody>
-                  <a:tcPr/>
-                </a:tc>
-                <a:tc>
-                  <a:txBody>
-                    <a:bodyPr/>
-                    <a:lstStyle/>
-                    <a:p>
-                      <a:r>
-                        <a:rPr lang="en-IN" dirty="0"/>
-                        <a:t>Yes</a:t>
-                      </a:r>
-                    </a:p>
-                  </a:txBody>
-                  <a:tcPr/>
-                </a:tc>
-                <a:tc>
-                  <a:txBody>
-                    <a:bodyPr/>
-                    <a:lstStyle/>
-                    <a:p>
-                      <a:r>
-                        <a:rPr lang="en-IN" dirty="0"/>
-                        <a:t>-</a:t>
-                      </a:r>
-                    </a:p>
-                  </a:txBody>
-                  <a:tcPr/>
-                </a:tc>
-                <a:extLst>
-                  <a:ext uri="{0D108BD9-81ED-4DB2-BD59-A6C34878D82A}">
-                    <a16:rowId xmlns:a16="http://schemas.microsoft.com/office/drawing/2014/main" val="2535938262"/>
-                  </a:ext>
-                </a:extLst>
-              </a:tr>
-              <a:tr h="455856">
-                <a:tc>
-                  <a:txBody>
-                    <a:bodyPr/>
-                    <a:lstStyle/>
-                    <a:p>
-                      <a:pPr marL="0" marR="0" lvl="0" indent="0" algn="l" defTabSz="914400" rtl="0" eaLnBrk="1" fontAlgn="auto" latinLnBrk="0" hangingPunct="1">
-                        <a:lnSpc>
-                          <a:spcPct val="100000"/>
-                        </a:lnSpc>
-                        <a:spcBef>
-                          <a:spcPts val="0"/>
-                        </a:spcBef>
-                        <a:spcAft>
-                          <a:spcPts val="0"/>
-                        </a:spcAft>
-                        <a:buClrTx/>
-                        <a:buSzTx/>
-                        <a:buFontTx/>
-                        <a:buNone/>
-                        <a:tabLst/>
-                        <a:defRPr/>
-                      </a:pPr>
-                      <a:r>
-                        <a:rPr lang="en-IN" sz="1800" b="0" kern="1200" dirty="0">
-                          <a:solidFill>
-                            <a:schemeClr val="dk1"/>
-                          </a:solidFill>
-                          <a:effectLst/>
-                        </a:rPr>
-                        <a:t>DB Transaction</a:t>
-                      </a:r>
-                      <a:endParaRPr lang="en-IN" sz="1800" b="0" kern="1200" dirty="0">
-                        <a:solidFill>
-                          <a:schemeClr val="dk1"/>
-                        </a:solidFill>
-                        <a:effectLst/>
-                        <a:latin typeface="+mn-lt"/>
-                        <a:ea typeface="+mn-ea"/>
-                        <a:cs typeface="+mn-cs"/>
-                      </a:endParaRPr>
-                    </a:p>
-                  </a:txBody>
-                  <a:tcPr/>
-                </a:tc>
-                <a:tc>
-                  <a:txBody>
-                    <a:bodyPr/>
-                    <a:lstStyle/>
-                    <a:p>
-                      <a:r>
-                        <a:rPr lang="en-IN" dirty="0"/>
-                        <a:t>Yes</a:t>
-                      </a:r>
-                    </a:p>
-                  </a:txBody>
-                  <a:tcPr/>
-                </a:tc>
-                <a:tc>
-                  <a:txBody>
-                    <a:bodyPr/>
-                    <a:lstStyle/>
-                    <a:p>
-                      <a:r>
-                        <a:rPr lang="en-IN" dirty="0"/>
-                        <a:t>Overkill</a:t>
-                      </a:r>
-                    </a:p>
-                  </a:txBody>
-                  <a:tcPr/>
-                </a:tc>
-                <a:tc>
-                  <a:txBody>
-                    <a:bodyPr/>
-                    <a:lstStyle/>
-                    <a:p>
-                      <a:r>
-                        <a:rPr lang="en-IN" dirty="0"/>
-                        <a:t>-</a:t>
-                      </a:r>
-                    </a:p>
-                  </a:txBody>
-                  <a:tcPr/>
-                </a:tc>
-                <a:extLst>
-                  <a:ext uri="{0D108BD9-81ED-4DB2-BD59-A6C34878D82A}">
-                    <a16:rowId xmlns:a16="http://schemas.microsoft.com/office/drawing/2014/main" val="2493979452"/>
-                  </a:ext>
-                </a:extLst>
-              </a:tr>
-            </a:tbl>
-          </a:graphicData>
-        </a:graphic>
-      </p:graphicFrame>
-    </p:spTree>
-    <p:extLst>
-      <p:ext uri="{BB962C8B-B14F-4D97-AF65-F5344CB8AC3E}">
-        <p14:creationId xmlns:p14="http://schemas.microsoft.com/office/powerpoint/2010/main" val="3507917819"/>
-      </p:ext>
-    </p:extLst>
-  </p:cSld>
-  <p:clrMapOvr>
-    <a:masterClrMapping/>
-  </p:clrMapOvr>
-</p:sld>
-</file>
-
-<file path=ppt/slides/slide14.xml><?xml version="1.0" encoding="utf-8"?>
 <p:sld xmlns:a="http://schemas.openxmlformats.org/drawingml/2006/main" xmlns:r="http://schemas.openxmlformats.org/officeDocument/2006/relationships" xmlns:p="http://schemas.openxmlformats.org/presentationml/2006/main">
   <p:cSld>
     <p:spTree>
@@ -9437,7 +8151,7 @@
 </p:sld>
 </file>
 
-<file path=ppt/slides/slide15.xml><?xml version="1.0" encoding="utf-8"?>
+<file path=ppt/slides/slide13.xml><?xml version="1.0" encoding="utf-8"?>
 <p:sld xmlns:a="http://schemas.openxmlformats.org/drawingml/2006/main" xmlns:r="http://schemas.openxmlformats.org/officeDocument/2006/relationships" xmlns:p="http://schemas.openxmlformats.org/presentationml/2006/main">
   <p:cSld>
     <p:spTree>
@@ -9701,7 +8415,7 @@
 </p:sld>
 </file>
 
-<file path=ppt/slides/slide16.xml><?xml version="1.0" encoding="utf-8"?>
+<file path=ppt/slides/slide14.xml><?xml version="1.0" encoding="utf-8"?>
 <p:sld xmlns:a="http://schemas.openxmlformats.org/drawingml/2006/main" xmlns:r="http://schemas.openxmlformats.org/officeDocument/2006/relationships" xmlns:p="http://schemas.openxmlformats.org/presentationml/2006/main">
   <p:cSld>
     <p:spTree>
@@ -9782,7 +8496,7 @@
         <p:spPr>
           <a:xfrm>
             <a:off x="859971" y="1740487"/>
-            <a:ext cx="3603171" cy="4724370"/>
+            <a:ext cx="3603171" cy="3754874"/>
           </a:xfrm>
           <a:prstGeom prst="rect">
             <a:avLst/>
@@ -9817,45 +8531,6 @@
             <a:r>
               <a:rPr lang="en-IN" sz="1600" dirty="0"/>
               <a:t>User places order (API synchronous) -&gt; Return order confirmation immediately</a:t>
-            </a:r>
-          </a:p>
-          <a:p>
-            <a:pPr marL="285750" indent="-285750">
-              <a:spcBef>
-                <a:spcPts val="600"/>
-              </a:spcBef>
-              <a:buFontTx/>
-              <a:buChar char="-"/>
-            </a:pPr>
-            <a:r>
-              <a:rPr lang="en-IN" sz="1600" dirty="0"/>
-              <a:t>Microservices in EKS / ECS </a:t>
-            </a:r>
-          </a:p>
-          <a:p>
-            <a:pPr marL="285750" indent="-285750">
-              <a:spcBef>
-                <a:spcPts val="600"/>
-              </a:spcBef>
-              <a:buFontTx/>
-              <a:buChar char="-"/>
-            </a:pPr>
-            <a:r>
-              <a:rPr lang="en-IN" sz="1600" dirty="0"/>
-              <a:t>Order placed event from order MS</a:t>
-            </a:r>
-          </a:p>
-          <a:p>
-            <a:pPr marL="285750" indent="-285750">
-              <a:spcBef>
-                <a:spcPts val="600"/>
-              </a:spcBef>
-              <a:buFontTx/>
-              <a:buChar char="-"/>
-            </a:pPr>
-            <a:r>
-              <a:rPr lang="en-IN" sz="1600" dirty="0"/>
-              <a:t>Either SQS / SNS captures the event</a:t>
             </a:r>
           </a:p>
           <a:p>
@@ -10164,7 +8839,7 @@
 </p:sld>
 </file>
 
-<file path=ppt/slides/slide17.xml><?xml version="1.0" encoding="utf-8"?>
+<file path=ppt/slides/slide15.xml><?xml version="1.0" encoding="utf-8"?>
 <p:sld xmlns:a="http://schemas.openxmlformats.org/drawingml/2006/main" xmlns:r="http://schemas.openxmlformats.org/officeDocument/2006/relationships" xmlns:p="http://schemas.openxmlformats.org/presentationml/2006/main">
   <p:cSld>
     <p:spTree>
@@ -10658,7 +9333,7 @@
 </p:sld>
 </file>
 
-<file path=ppt/slides/slide18.xml><?xml version="1.0" encoding="utf-8"?>
+<file path=ppt/slides/slide16.xml><?xml version="1.0" encoding="utf-8"?>
 <p:sld xmlns:a="http://schemas.openxmlformats.org/drawingml/2006/main" xmlns:r="http://schemas.openxmlformats.org/officeDocument/2006/relationships" xmlns:p="http://schemas.openxmlformats.org/presentationml/2006/main">
   <p:cSld>
     <p:spTree>
@@ -11194,7 +9869,7 @@
 </p:sld>
 </file>
 
-<file path=ppt/slides/slide19.xml><?xml version="1.0" encoding="utf-8"?>
+<file path=ppt/slides/slide17.xml><?xml version="1.0" encoding="utf-8"?>
 <p:sld xmlns:a="http://schemas.openxmlformats.org/drawingml/2006/main" xmlns:r="http://schemas.openxmlformats.org/officeDocument/2006/relationships" xmlns:p="http://schemas.openxmlformats.org/presentationml/2006/main">
   <p:cSld>
     <p:spTree>
@@ -13503,7 +12178,7 @@
             </a:r>
             <a:r>
               <a:rPr lang="en-US" sz="1600" dirty="0"/>
-              <a:t>, SNS, SQS)</a:t>
+              <a:t>, SNS, SQS, kinesis)</a:t>
             </a:r>
           </a:p>
           <a:p>
